--- a/P4E/intro-wrapup.pptx
+++ b/P4E/intro-wrapup.pptx
@@ -5,16 +5,19 @@
     <p:sldMasterId id="2147483648" r:id="rId1"/>
   </p:sldMasterIdLst>
   <p:notesMasterIdLst>
-    <p:notesMasterId r:id="rId9"/>
+    <p:notesMasterId r:id="rId12"/>
   </p:notesMasterIdLst>
   <p:sldIdLst>
     <p:sldId id="256" r:id="rId2"/>
     <p:sldId id="257" r:id="rId3"/>
     <p:sldId id="261" r:id="rId4"/>
-    <p:sldId id="262" r:id="rId5"/>
-    <p:sldId id="259" r:id="rId6"/>
-    <p:sldId id="260" r:id="rId7"/>
-    <p:sldId id="258" r:id="rId8"/>
+    <p:sldId id="259" r:id="rId5"/>
+    <p:sldId id="260" r:id="rId6"/>
+    <p:sldId id="263" r:id="rId7"/>
+    <p:sldId id="264" r:id="rId8"/>
+    <p:sldId id="265" r:id="rId9"/>
+    <p:sldId id="266" r:id="rId10"/>
+    <p:sldId id="267" r:id="rId11"/>
   </p:sldIdLst>
   <p:sldSz cx="12192000" cy="6858000"/>
   <p:notesSz cx="6858000" cy="9144000"/>
@@ -203,7 +206,7 @@
           <a:p>
             <a:fld id="{95046701-2173-274B-800C-F21DC909FE32}" type="datetimeFigureOut">
               <a:rPr lang="en-US" smtClean="0"/>
-              <a:t>9/17/19</a:t>
+              <a:t>3/23/2023</a:t>
             </a:fld>
             <a:endParaRPr lang="en-US"/>
           </a:p>
@@ -267,38 +270,37 @@
           <a:p>
             <a:pPr lvl="0"/>
             <a:r>
-              <a:rPr lang="en-US" smtClean="0"/>
+              <a:rPr lang="en-US"/>
               <a:t>Click to edit Master text styles</a:t>
             </a:r>
           </a:p>
           <a:p>
             <a:pPr lvl="1"/>
             <a:r>
-              <a:rPr lang="en-US" smtClean="0"/>
+              <a:rPr lang="en-US"/>
               <a:t>Second level</a:t>
             </a:r>
           </a:p>
           <a:p>
             <a:pPr lvl="2"/>
             <a:r>
-              <a:rPr lang="en-US" smtClean="0"/>
+              <a:rPr lang="en-US"/>
               <a:t>Third level</a:t>
             </a:r>
           </a:p>
           <a:p>
             <a:pPr lvl="3"/>
             <a:r>
-              <a:rPr lang="en-US" smtClean="0"/>
+              <a:rPr lang="en-US"/>
               <a:t>Fourth level</a:t>
             </a:r>
           </a:p>
           <a:p>
             <a:pPr lvl="4"/>
             <a:r>
-              <a:rPr lang="en-US" smtClean="0"/>
+              <a:rPr lang="en-US"/>
               <a:t>Fifth level</a:t>
             </a:r>
-            <a:endParaRPr lang="en-US"/>
           </a:p>
         </p:txBody>
       </p:sp>
@@ -513,10 +515,9 @@
           </a:lstStyle>
           <a:p>
             <a:r>
-              <a:rPr lang="en-US" smtClean="0"/>
+              <a:rPr lang="en-US"/>
               <a:t>Click to edit Master title style</a:t>
             </a:r>
-            <a:endParaRPr lang="en-US"/>
           </a:p>
         </p:txBody>
       </p:sp>
@@ -578,10 +579,9 @@
           </a:lstStyle>
           <a:p>
             <a:r>
-              <a:rPr lang="en-US" smtClean="0"/>
+              <a:rPr lang="en-US"/>
               <a:t>Click to edit Master subtitle style</a:t>
             </a:r>
-            <a:endParaRPr lang="en-US"/>
           </a:p>
         </p:txBody>
       </p:sp>
@@ -602,7 +602,7 @@
           <a:p>
             <a:fld id="{CE74A5C2-5D6F-3944-8853-6155C19A6F8F}" type="datetimeFigureOut">
               <a:rPr lang="en-US" smtClean="0"/>
-              <a:t>9/17/19</a:t>
+              <a:t>3/23/2023</a:t>
             </a:fld>
             <a:endParaRPr lang="en-US"/>
           </a:p>
@@ -696,10 +696,9 @@
           <a:lstStyle/>
           <a:p>
             <a:r>
-              <a:rPr lang="en-US" smtClean="0"/>
+              <a:rPr lang="en-US"/>
               <a:t>Click to edit Master title style</a:t>
             </a:r>
-            <a:endParaRPr lang="en-US"/>
           </a:p>
         </p:txBody>
       </p:sp>
@@ -720,38 +719,37 @@
           <a:p>
             <a:pPr lvl="0"/>
             <a:r>
-              <a:rPr lang="en-US" smtClean="0"/>
+              <a:rPr lang="en-US"/>
               <a:t>Click to edit Master text styles</a:t>
             </a:r>
           </a:p>
           <a:p>
             <a:pPr lvl="1"/>
             <a:r>
-              <a:rPr lang="en-US" smtClean="0"/>
+              <a:rPr lang="en-US"/>
               <a:t>Second level</a:t>
             </a:r>
           </a:p>
           <a:p>
             <a:pPr lvl="2"/>
             <a:r>
-              <a:rPr lang="en-US" smtClean="0"/>
+              <a:rPr lang="en-US"/>
               <a:t>Third level</a:t>
             </a:r>
           </a:p>
           <a:p>
             <a:pPr lvl="3"/>
             <a:r>
-              <a:rPr lang="en-US" smtClean="0"/>
+              <a:rPr lang="en-US"/>
               <a:t>Fourth level</a:t>
             </a:r>
           </a:p>
           <a:p>
             <a:pPr lvl="4"/>
             <a:r>
-              <a:rPr lang="en-US" smtClean="0"/>
+              <a:rPr lang="en-US"/>
               <a:t>Fifth level</a:t>
             </a:r>
-            <a:endParaRPr lang="en-US"/>
           </a:p>
         </p:txBody>
       </p:sp>
@@ -772,7 +770,7 @@
           <a:p>
             <a:fld id="{CE74A5C2-5D6F-3944-8853-6155C19A6F8F}" type="datetimeFigureOut">
               <a:rPr lang="en-US" smtClean="0"/>
-              <a:t>9/17/19</a:t>
+              <a:t>3/23/2023</a:t>
             </a:fld>
             <a:endParaRPr lang="en-US"/>
           </a:p>
@@ -871,10 +869,9 @@
           <a:lstStyle/>
           <a:p>
             <a:r>
-              <a:rPr lang="en-US" smtClean="0"/>
+              <a:rPr lang="en-US"/>
               <a:t>Click to edit Master title style</a:t>
             </a:r>
-            <a:endParaRPr lang="en-US"/>
           </a:p>
         </p:txBody>
       </p:sp>
@@ -900,38 +897,37 @@
           <a:p>
             <a:pPr lvl="0"/>
             <a:r>
-              <a:rPr lang="en-US" smtClean="0"/>
+              <a:rPr lang="en-US"/>
               <a:t>Click to edit Master text styles</a:t>
             </a:r>
           </a:p>
           <a:p>
             <a:pPr lvl="1"/>
             <a:r>
-              <a:rPr lang="en-US" smtClean="0"/>
+              <a:rPr lang="en-US"/>
               <a:t>Second level</a:t>
             </a:r>
           </a:p>
           <a:p>
             <a:pPr lvl="2"/>
             <a:r>
-              <a:rPr lang="en-US" smtClean="0"/>
+              <a:rPr lang="en-US"/>
               <a:t>Third level</a:t>
             </a:r>
           </a:p>
           <a:p>
             <a:pPr lvl="3"/>
             <a:r>
-              <a:rPr lang="en-US" smtClean="0"/>
+              <a:rPr lang="en-US"/>
               <a:t>Fourth level</a:t>
             </a:r>
           </a:p>
           <a:p>
             <a:pPr lvl="4"/>
             <a:r>
-              <a:rPr lang="en-US" smtClean="0"/>
+              <a:rPr lang="en-US"/>
               <a:t>Fifth level</a:t>
             </a:r>
-            <a:endParaRPr lang="en-US"/>
           </a:p>
         </p:txBody>
       </p:sp>
@@ -952,7 +948,7 @@
           <a:p>
             <a:fld id="{CE74A5C2-5D6F-3944-8853-6155C19A6F8F}" type="datetimeFigureOut">
               <a:rPr lang="en-US" smtClean="0"/>
-              <a:t>9/17/19</a:t>
+              <a:t>3/23/2023</a:t>
             </a:fld>
             <a:endParaRPr lang="en-US"/>
           </a:p>
@@ -1046,10 +1042,9 @@
           <a:lstStyle/>
           <a:p>
             <a:r>
-              <a:rPr lang="en-US" smtClean="0"/>
+              <a:rPr lang="en-US"/>
               <a:t>Click to edit Master title style</a:t>
             </a:r>
-            <a:endParaRPr lang="en-US"/>
           </a:p>
         </p:txBody>
       </p:sp>
@@ -1070,38 +1065,37 @@
           <a:p>
             <a:pPr lvl="0"/>
             <a:r>
-              <a:rPr lang="en-US" smtClean="0"/>
+              <a:rPr lang="en-US"/>
               <a:t>Click to edit Master text styles</a:t>
             </a:r>
           </a:p>
           <a:p>
             <a:pPr lvl="1"/>
             <a:r>
-              <a:rPr lang="en-US" smtClean="0"/>
+              <a:rPr lang="en-US"/>
               <a:t>Second level</a:t>
             </a:r>
           </a:p>
           <a:p>
             <a:pPr lvl="2"/>
             <a:r>
-              <a:rPr lang="en-US" smtClean="0"/>
+              <a:rPr lang="en-US"/>
               <a:t>Third level</a:t>
             </a:r>
           </a:p>
           <a:p>
             <a:pPr lvl="3"/>
             <a:r>
-              <a:rPr lang="en-US" smtClean="0"/>
+              <a:rPr lang="en-US"/>
               <a:t>Fourth level</a:t>
             </a:r>
           </a:p>
           <a:p>
             <a:pPr lvl="4"/>
             <a:r>
-              <a:rPr lang="en-US" smtClean="0"/>
+              <a:rPr lang="en-US"/>
               <a:t>Fifth level</a:t>
             </a:r>
-            <a:endParaRPr lang="en-US"/>
           </a:p>
         </p:txBody>
       </p:sp>
@@ -1122,7 +1116,7 @@
           <a:p>
             <a:fld id="{CE74A5C2-5D6F-3944-8853-6155C19A6F8F}" type="datetimeFigureOut">
               <a:rPr lang="en-US" smtClean="0"/>
-              <a:t>9/17/19</a:t>
+              <a:t>3/23/2023</a:t>
             </a:fld>
             <a:endParaRPr lang="en-US"/>
           </a:p>
@@ -1225,10 +1219,9 @@
           </a:lstStyle>
           <a:p>
             <a:r>
-              <a:rPr lang="en-US" smtClean="0"/>
+              <a:rPr lang="en-US"/>
               <a:t>Click to edit Master title style</a:t>
             </a:r>
-            <a:endParaRPr lang="en-US"/>
           </a:p>
         </p:txBody>
       </p:sp>
@@ -1345,7 +1338,7 @@
           <a:p>
             <a:pPr lvl="0"/>
             <a:r>
-              <a:rPr lang="en-US" smtClean="0"/>
+              <a:rPr lang="en-US"/>
               <a:t>Click to edit Master text styles</a:t>
             </a:r>
           </a:p>
@@ -1368,7 +1361,7 @@
           <a:p>
             <a:fld id="{CE74A5C2-5D6F-3944-8853-6155C19A6F8F}" type="datetimeFigureOut">
               <a:rPr lang="en-US" smtClean="0"/>
-              <a:t>9/17/19</a:t>
+              <a:t>3/23/2023</a:t>
             </a:fld>
             <a:endParaRPr lang="en-US"/>
           </a:p>
@@ -1462,10 +1455,9 @@
           <a:lstStyle/>
           <a:p>
             <a:r>
-              <a:rPr lang="en-US" smtClean="0"/>
+              <a:rPr lang="en-US"/>
               <a:t>Click to edit Master title style</a:t>
             </a:r>
-            <a:endParaRPr lang="en-US"/>
           </a:p>
         </p:txBody>
       </p:sp>
@@ -1491,38 +1483,37 @@
           <a:p>
             <a:pPr lvl="0"/>
             <a:r>
-              <a:rPr lang="en-US" smtClean="0"/>
+              <a:rPr lang="en-US"/>
               <a:t>Click to edit Master text styles</a:t>
             </a:r>
           </a:p>
           <a:p>
             <a:pPr lvl="1"/>
             <a:r>
-              <a:rPr lang="en-US" smtClean="0"/>
+              <a:rPr lang="en-US"/>
               <a:t>Second level</a:t>
             </a:r>
           </a:p>
           <a:p>
             <a:pPr lvl="2"/>
             <a:r>
-              <a:rPr lang="en-US" smtClean="0"/>
+              <a:rPr lang="en-US"/>
               <a:t>Third level</a:t>
             </a:r>
           </a:p>
           <a:p>
             <a:pPr lvl="3"/>
             <a:r>
-              <a:rPr lang="en-US" smtClean="0"/>
+              <a:rPr lang="en-US"/>
               <a:t>Fourth level</a:t>
             </a:r>
           </a:p>
           <a:p>
             <a:pPr lvl="4"/>
             <a:r>
-              <a:rPr lang="en-US" smtClean="0"/>
+              <a:rPr lang="en-US"/>
               <a:t>Fifth level</a:t>
             </a:r>
-            <a:endParaRPr lang="en-US"/>
           </a:p>
         </p:txBody>
       </p:sp>
@@ -1548,38 +1539,37 @@
           <a:p>
             <a:pPr lvl="0"/>
             <a:r>
-              <a:rPr lang="en-US" smtClean="0"/>
+              <a:rPr lang="en-US"/>
               <a:t>Click to edit Master text styles</a:t>
             </a:r>
           </a:p>
           <a:p>
             <a:pPr lvl="1"/>
             <a:r>
-              <a:rPr lang="en-US" smtClean="0"/>
+              <a:rPr lang="en-US"/>
               <a:t>Second level</a:t>
             </a:r>
           </a:p>
           <a:p>
             <a:pPr lvl="2"/>
             <a:r>
-              <a:rPr lang="en-US" smtClean="0"/>
+              <a:rPr lang="en-US"/>
               <a:t>Third level</a:t>
             </a:r>
           </a:p>
           <a:p>
             <a:pPr lvl="3"/>
             <a:r>
-              <a:rPr lang="en-US" smtClean="0"/>
+              <a:rPr lang="en-US"/>
               <a:t>Fourth level</a:t>
             </a:r>
           </a:p>
           <a:p>
             <a:pPr lvl="4"/>
             <a:r>
-              <a:rPr lang="en-US" smtClean="0"/>
+              <a:rPr lang="en-US"/>
               <a:t>Fifth level</a:t>
             </a:r>
-            <a:endParaRPr lang="en-US"/>
           </a:p>
         </p:txBody>
       </p:sp>
@@ -1600,7 +1590,7 @@
           <a:p>
             <a:fld id="{CE74A5C2-5D6F-3944-8853-6155C19A6F8F}" type="datetimeFigureOut">
               <a:rPr lang="en-US" smtClean="0"/>
-              <a:t>9/17/19</a:t>
+              <a:t>3/23/2023</a:t>
             </a:fld>
             <a:endParaRPr lang="en-US"/>
           </a:p>
@@ -1699,10 +1689,9 @@
           <a:lstStyle/>
           <a:p>
             <a:r>
-              <a:rPr lang="en-US" smtClean="0"/>
+              <a:rPr lang="en-US"/>
               <a:t>Click to edit Master title style</a:t>
             </a:r>
-            <a:endParaRPr lang="en-US"/>
           </a:p>
         </p:txBody>
       </p:sp>
@@ -1765,7 +1754,7 @@
           <a:p>
             <a:pPr lvl="0"/>
             <a:r>
-              <a:rPr lang="en-US" smtClean="0"/>
+              <a:rPr lang="en-US"/>
               <a:t>Click to edit Master text styles</a:t>
             </a:r>
           </a:p>
@@ -1793,38 +1782,37 @@
           <a:p>
             <a:pPr lvl="0"/>
             <a:r>
-              <a:rPr lang="en-US" smtClean="0"/>
+              <a:rPr lang="en-US"/>
               <a:t>Click to edit Master text styles</a:t>
             </a:r>
           </a:p>
           <a:p>
             <a:pPr lvl="1"/>
             <a:r>
-              <a:rPr lang="en-US" smtClean="0"/>
+              <a:rPr lang="en-US"/>
               <a:t>Second level</a:t>
             </a:r>
           </a:p>
           <a:p>
             <a:pPr lvl="2"/>
             <a:r>
-              <a:rPr lang="en-US" smtClean="0"/>
+              <a:rPr lang="en-US"/>
               <a:t>Third level</a:t>
             </a:r>
           </a:p>
           <a:p>
             <a:pPr lvl="3"/>
             <a:r>
-              <a:rPr lang="en-US" smtClean="0"/>
+              <a:rPr lang="en-US"/>
               <a:t>Fourth level</a:t>
             </a:r>
           </a:p>
           <a:p>
             <a:pPr lvl="4"/>
             <a:r>
-              <a:rPr lang="en-US" smtClean="0"/>
+              <a:rPr lang="en-US"/>
               <a:t>Fifth level</a:t>
             </a:r>
-            <a:endParaRPr lang="en-US"/>
           </a:p>
         </p:txBody>
       </p:sp>
@@ -1887,7 +1875,7 @@
           <a:p>
             <a:pPr lvl="0"/>
             <a:r>
-              <a:rPr lang="en-US" smtClean="0"/>
+              <a:rPr lang="en-US"/>
               <a:t>Click to edit Master text styles</a:t>
             </a:r>
           </a:p>
@@ -1915,38 +1903,37 @@
           <a:p>
             <a:pPr lvl="0"/>
             <a:r>
-              <a:rPr lang="en-US" smtClean="0"/>
+              <a:rPr lang="en-US"/>
               <a:t>Click to edit Master text styles</a:t>
             </a:r>
           </a:p>
           <a:p>
             <a:pPr lvl="1"/>
             <a:r>
-              <a:rPr lang="en-US" smtClean="0"/>
+              <a:rPr lang="en-US"/>
               <a:t>Second level</a:t>
             </a:r>
           </a:p>
           <a:p>
             <a:pPr lvl="2"/>
             <a:r>
-              <a:rPr lang="en-US" smtClean="0"/>
+              <a:rPr lang="en-US"/>
               <a:t>Third level</a:t>
             </a:r>
           </a:p>
           <a:p>
             <a:pPr lvl="3"/>
             <a:r>
-              <a:rPr lang="en-US" smtClean="0"/>
+              <a:rPr lang="en-US"/>
               <a:t>Fourth level</a:t>
             </a:r>
           </a:p>
           <a:p>
             <a:pPr lvl="4"/>
             <a:r>
-              <a:rPr lang="en-US" smtClean="0"/>
+              <a:rPr lang="en-US"/>
               <a:t>Fifth level</a:t>
             </a:r>
-            <a:endParaRPr lang="en-US"/>
           </a:p>
         </p:txBody>
       </p:sp>
@@ -1967,7 +1954,7 @@
           <a:p>
             <a:fld id="{CE74A5C2-5D6F-3944-8853-6155C19A6F8F}" type="datetimeFigureOut">
               <a:rPr lang="en-US" smtClean="0"/>
-              <a:t>9/17/19</a:t>
+              <a:t>3/23/2023</a:t>
             </a:fld>
             <a:endParaRPr lang="en-US"/>
           </a:p>
@@ -2061,10 +2048,9 @@
           <a:lstStyle/>
           <a:p>
             <a:r>
-              <a:rPr lang="en-US" smtClean="0"/>
+              <a:rPr lang="en-US"/>
               <a:t>Click to edit Master title style</a:t>
             </a:r>
-            <a:endParaRPr lang="en-US"/>
           </a:p>
         </p:txBody>
       </p:sp>
@@ -2085,7 +2071,7 @@
           <a:p>
             <a:fld id="{CE74A5C2-5D6F-3944-8853-6155C19A6F8F}" type="datetimeFigureOut">
               <a:rPr lang="en-US" smtClean="0"/>
-              <a:t>9/17/19</a:t>
+              <a:t>3/23/2023</a:t>
             </a:fld>
             <a:endParaRPr lang="en-US"/>
           </a:p>
@@ -2180,7 +2166,7 @@
           <a:p>
             <a:fld id="{CE74A5C2-5D6F-3944-8853-6155C19A6F8F}" type="datetimeFigureOut">
               <a:rPr lang="en-US" smtClean="0"/>
-              <a:t>9/17/19</a:t>
+              <a:t>3/23/2023</a:t>
             </a:fld>
             <a:endParaRPr lang="en-US"/>
           </a:p>
@@ -2283,10 +2269,9 @@
           </a:lstStyle>
           <a:p>
             <a:r>
-              <a:rPr lang="en-US" smtClean="0"/>
+              <a:rPr lang="en-US"/>
               <a:t>Click to edit Master title style</a:t>
             </a:r>
-            <a:endParaRPr lang="en-US"/>
           </a:p>
         </p:txBody>
       </p:sp>
@@ -2340,38 +2325,37 @@
           <a:p>
             <a:pPr lvl="0"/>
             <a:r>
-              <a:rPr lang="en-US" smtClean="0"/>
+              <a:rPr lang="en-US"/>
               <a:t>Click to edit Master text styles</a:t>
             </a:r>
           </a:p>
           <a:p>
             <a:pPr lvl="1"/>
             <a:r>
-              <a:rPr lang="en-US" smtClean="0"/>
+              <a:rPr lang="en-US"/>
               <a:t>Second level</a:t>
             </a:r>
           </a:p>
           <a:p>
             <a:pPr lvl="2"/>
             <a:r>
-              <a:rPr lang="en-US" smtClean="0"/>
+              <a:rPr lang="en-US"/>
               <a:t>Third level</a:t>
             </a:r>
           </a:p>
           <a:p>
             <a:pPr lvl="3"/>
             <a:r>
-              <a:rPr lang="en-US" smtClean="0"/>
+              <a:rPr lang="en-US"/>
               <a:t>Fourth level</a:t>
             </a:r>
           </a:p>
           <a:p>
             <a:pPr lvl="4"/>
             <a:r>
-              <a:rPr lang="en-US" smtClean="0"/>
+              <a:rPr lang="en-US"/>
               <a:t>Fifth level</a:t>
             </a:r>
-            <a:endParaRPr lang="en-US"/>
           </a:p>
         </p:txBody>
       </p:sp>
@@ -2434,7 +2418,7 @@
           <a:p>
             <a:pPr lvl="0"/>
             <a:r>
-              <a:rPr lang="en-US" smtClean="0"/>
+              <a:rPr lang="en-US"/>
               <a:t>Click to edit Master text styles</a:t>
             </a:r>
           </a:p>
@@ -2457,7 +2441,7 @@
           <a:p>
             <a:fld id="{CE74A5C2-5D6F-3944-8853-6155C19A6F8F}" type="datetimeFigureOut">
               <a:rPr lang="en-US" smtClean="0"/>
-              <a:t>9/17/19</a:t>
+              <a:t>3/23/2023</a:t>
             </a:fld>
             <a:endParaRPr lang="en-US"/>
           </a:p>
@@ -2560,10 +2544,9 @@
           </a:lstStyle>
           <a:p>
             <a:r>
-              <a:rPr lang="en-US" smtClean="0"/>
+              <a:rPr lang="en-US"/>
               <a:t>Click to edit Master title style</a:t>
             </a:r>
-            <a:endParaRPr lang="en-US"/>
           </a:p>
         </p:txBody>
       </p:sp>
@@ -2687,7 +2670,7 @@
           <a:p>
             <a:pPr lvl="0"/>
             <a:r>
-              <a:rPr lang="en-US" smtClean="0"/>
+              <a:rPr lang="en-US"/>
               <a:t>Click to edit Master text styles</a:t>
             </a:r>
           </a:p>
@@ -2710,7 +2693,7 @@
           <a:p>
             <a:fld id="{CE74A5C2-5D6F-3944-8853-6155C19A6F8F}" type="datetimeFigureOut">
               <a:rPr lang="en-US" smtClean="0"/>
-              <a:t>9/17/19</a:t>
+              <a:t>3/23/2023</a:t>
             </a:fld>
             <a:endParaRPr lang="en-US"/>
           </a:p>
@@ -2819,10 +2802,9 @@
           <a:lstStyle/>
           <a:p>
             <a:r>
-              <a:rPr lang="en-US" smtClean="0"/>
+              <a:rPr lang="en-US"/>
               <a:t>Click to edit Master title style</a:t>
             </a:r>
-            <a:endParaRPr lang="en-US"/>
           </a:p>
         </p:txBody>
       </p:sp>
@@ -2853,38 +2835,37 @@
           <a:p>
             <a:pPr lvl="0"/>
             <a:r>
-              <a:rPr lang="en-US" smtClean="0"/>
+              <a:rPr lang="en-US"/>
               <a:t>Click to edit Master text styles</a:t>
             </a:r>
           </a:p>
           <a:p>
             <a:pPr lvl="1"/>
             <a:r>
-              <a:rPr lang="en-US" smtClean="0"/>
+              <a:rPr lang="en-US"/>
               <a:t>Second level</a:t>
             </a:r>
           </a:p>
           <a:p>
             <a:pPr lvl="2"/>
             <a:r>
-              <a:rPr lang="en-US" smtClean="0"/>
+              <a:rPr lang="en-US"/>
               <a:t>Third level</a:t>
             </a:r>
           </a:p>
           <a:p>
             <a:pPr lvl="3"/>
             <a:r>
-              <a:rPr lang="en-US" smtClean="0"/>
+              <a:rPr lang="en-US"/>
               <a:t>Fourth level</a:t>
             </a:r>
           </a:p>
           <a:p>
             <a:pPr lvl="4"/>
             <a:r>
-              <a:rPr lang="en-US" smtClean="0"/>
+              <a:rPr lang="en-US"/>
               <a:t>Fifth level</a:t>
             </a:r>
-            <a:endParaRPr lang="en-US"/>
           </a:p>
         </p:txBody>
       </p:sp>
@@ -2923,7 +2904,7 @@
           <a:p>
             <a:fld id="{CE74A5C2-5D6F-3944-8853-6155C19A6F8F}" type="datetimeFigureOut">
               <a:rPr lang="en-US" smtClean="0"/>
-              <a:t>9/17/19</a:t>
+              <a:t>3/23/2023</a:t>
             </a:fld>
             <a:endParaRPr lang="en-US"/>
           </a:p>
@@ -3344,11 +3325,11 @@
           <a:lstStyle/>
           <a:p>
             <a:r>
-              <a:rPr lang="en-US" dirty="0" smtClean="0"/>
+              <a:rPr lang="en-US" dirty="0"/>
               <a:t>Intro </a:t>
             </a:r>
             <a:r>
-              <a:rPr lang="en-US" dirty="0" err="1" smtClean="0"/>
+              <a:rPr lang="en-US" dirty="0" err="1"/>
               <a:t>Wrapup</a:t>
             </a:r>
             <a:endParaRPr lang="en-US" dirty="0"/>
@@ -3378,6 +3359,109 @@
     <p:extLst>
       <p:ext uri="{BB962C8B-B14F-4D97-AF65-F5344CB8AC3E}">
         <p14:creationId xmlns:p14="http://schemas.microsoft.com/office/powerpoint/2010/main" val="1700948857"/>
+      </p:ext>
+    </p:extLst>
+  </p:cSld>
+  <p:clrMapOvr>
+    <a:masterClrMapping/>
+  </p:clrMapOvr>
+</p:sld>
+</file>
+
+<file path=ppt/slides/slide10.xml><?xml version="1.0" encoding="utf-8"?>
+<p:sld xmlns:a="http://schemas.openxmlformats.org/drawingml/2006/main" xmlns:r="http://schemas.openxmlformats.org/officeDocument/2006/relationships" xmlns:p="http://schemas.openxmlformats.org/presentationml/2006/main">
+  <p:cSld>
+    <p:spTree>
+      <p:nvGrpSpPr>
+        <p:cNvPr id="1" name=""/>
+        <p:cNvGrpSpPr/>
+        <p:nvPr/>
+      </p:nvGrpSpPr>
+      <p:grpSpPr>
+        <a:xfrm>
+          <a:off x="0" y="0"/>
+          <a:ext cx="0" cy="0"/>
+          <a:chOff x="0" y="0"/>
+          <a:chExt cx="0" cy="0"/>
+        </a:xfrm>
+      </p:grpSpPr>
+      <p:sp>
+        <p:nvSpPr>
+          <p:cNvPr id="2" name="Title 1"/>
+          <p:cNvSpPr>
+            <a:spLocks noGrp="1"/>
+          </p:cNvSpPr>
+          <p:nvPr>
+            <p:ph type="ctrTitle"/>
+          </p:nvPr>
+        </p:nvSpPr>
+        <p:spPr>
+          <a:xfrm>
+            <a:off x="1524000" y="597408"/>
+            <a:ext cx="9144000" cy="5535167"/>
+          </a:xfrm>
+        </p:spPr>
+        <p:txBody>
+          <a:bodyPr anchor="ctr">
+            <a:normAutofit/>
+          </a:bodyPr>
+          <a:lstStyle/>
+          <a:p>
+            <a:r>
+              <a:rPr lang="en-US" b="1" dirty="0">
+                <a:solidFill>
+                  <a:srgbClr val="5F6368"/>
+                </a:solidFill>
+                <a:latin typeface="arial" panose="020B0604020202020204" pitchFamily="34" charset="0"/>
+              </a:rPr>
+              <a:t>Some topics</a:t>
+            </a:r>
+            <a:br>
+              <a:rPr lang="en-US" b="1" dirty="0">
+                <a:solidFill>
+                  <a:srgbClr val="5F6368"/>
+                </a:solidFill>
+                <a:latin typeface="arial" panose="020B0604020202020204" pitchFamily="34" charset="0"/>
+              </a:rPr>
+            </a:br>
+            <a:r>
+              <a:rPr lang="en-US" dirty="0"/>
+              <a:t>Machine Learning library</a:t>
+            </a:r>
+          </a:p>
+        </p:txBody>
+      </p:sp>
+      <p:sp>
+        <p:nvSpPr>
+          <p:cNvPr id="3" name="Subtitle 2"/>
+          <p:cNvSpPr>
+            <a:spLocks noGrp="1"/>
+          </p:cNvSpPr>
+          <p:nvPr>
+            <p:ph type="subTitle" idx="1"/>
+          </p:nvPr>
+        </p:nvSpPr>
+        <p:spPr>
+          <a:xfrm>
+            <a:off x="1524000" y="6291072"/>
+            <a:ext cx="9144000" cy="466344"/>
+          </a:xfrm>
+        </p:spPr>
+        <p:txBody>
+          <a:bodyPr/>
+          <a:lstStyle/>
+          <a:p>
+            <a:r>
+              <a:rPr lang="en-US" dirty="0"/>
+              <a:t>Intro 7</a:t>
+            </a:r>
+          </a:p>
+        </p:txBody>
+      </p:sp>
+    </p:spTree>
+    <p:extLst>
+      <p:ext uri="{BB962C8B-B14F-4D97-AF65-F5344CB8AC3E}">
+        <p14:creationId xmlns:p14="http://schemas.microsoft.com/office/powerpoint/2010/main" val="3601514375"/>
       </p:ext>
     </p:extLst>
   </p:cSld>
@@ -3427,88 +3511,91 @@
           <a:lstStyle/>
           <a:p>
             <a:r>
-              <a:rPr lang="en-US" dirty="0" smtClean="0"/>
-              <a:t>My. Name / Title</a:t>
+              <a:rPr lang="en-US" b="1" i="1" dirty="0"/>
+              <a:t>Luong Tran Hy Hien</a:t>
+            </a:r>
+            <a:r>
+              <a:rPr lang="en-US" dirty="0"/>
+              <a:t>, </a:t>
+            </a:r>
+            <a:r>
+              <a:rPr lang="en-US" dirty="0" err="1"/>
+              <a:t>Msc</a:t>
+            </a:r>
+            <a:r>
+              <a:rPr lang="en-US" dirty="0"/>
+              <a:t>.</a:t>
             </a:r>
             <a:br>
-              <a:rPr lang="en-US" dirty="0" smtClean="0"/>
+              <a:rPr lang="en-US" dirty="0"/>
             </a:br>
             <a:r>
-              <a:rPr lang="en-US" dirty="0" smtClean="0"/>
+              <a:rPr lang="en-US" sz="3200" dirty="0">
+                <a:hlinkClick r:id="rId2"/>
+              </a:rPr>
+              <a:t>hien.th.luong@nttu.edu.vn</a:t>
+            </a:r>
+            <a:br>
+              <a:rPr lang="en-US" sz="3200" dirty="0"/>
+            </a:br>
+            <a:r>
+              <a:rPr lang="en-US" sz="3200" dirty="0" err="1"/>
+              <a:t>Zalo</a:t>
+            </a:r>
+            <a:r>
+              <a:rPr lang="en-US" sz="3200" dirty="0"/>
+              <a:t>: 0559.667.467</a:t>
+            </a:r>
+            <a:br>
+              <a:rPr lang="en-US" sz="3200" dirty="0"/>
+            </a:br>
+            <a:r>
+              <a:rPr lang="en-US" sz="3200" dirty="0"/>
+              <a:t>LinkedIn: </a:t>
+            </a:r>
+            <a:r>
+              <a:rPr lang="en-US" sz="3200" dirty="0" err="1"/>
+              <a:t>hienlth</a:t>
+            </a:r>
+            <a:r>
+              <a:rPr lang="en-US" sz="3200" dirty="0"/>
+              <a:t>, YT: @hienlth</a:t>
+            </a:r>
+            <a:br>
+              <a:rPr lang="en-US" sz="3200" dirty="0"/>
+            </a:br>
+            <a:br>
+              <a:rPr lang="en-US" dirty="0"/>
+            </a:br>
+            <a:r>
+              <a:rPr lang="en-US" dirty="0"/>
+              <a:t>Advanced Programming </a:t>
+            </a:r>
+            <a:br>
+              <a:rPr lang="en-US" dirty="0"/>
+            </a:br>
+            <a:r>
+              <a:rPr lang="en-US" dirty="0"/>
+              <a:t>[with </a:t>
+            </a:r>
+            <a:r>
+              <a:rPr lang="en-US" b="1" dirty="0"/>
+              <a:t>Python</a:t>
+            </a:r>
+            <a:r>
+              <a:rPr lang="en-US" dirty="0"/>
+              <a:t>]</a:t>
+            </a:r>
+            <a:br>
+              <a:rPr lang="en-US" dirty="0"/>
+            </a:br>
+            <a:br>
+              <a:rPr lang="en-US" dirty="0"/>
+            </a:br>
+            <a:r>
+              <a:rPr lang="en-US" dirty="0"/>
               <a:t>Everybody can code</a:t>
             </a:r>
-            <a:br>
-              <a:rPr lang="en-US" dirty="0" smtClean="0"/>
-            </a:br>
-            <a:r>
-              <a:rPr lang="en-US" dirty="0" smtClean="0"/>
-              <a:t>Skills taking </a:t>
-            </a:r>
-            <a:r>
-              <a:rPr lang="en-US" dirty="0" err="1" smtClean="0"/>
-              <a:t>prog</a:t>
-            </a:r>
-            <a:r>
-              <a:rPr lang="en-US" dirty="0" smtClean="0"/>
-              <a:t>. class </a:t>
-            </a:r>
-            <a:br>
-              <a:rPr lang="en-US" dirty="0" smtClean="0"/>
-            </a:br>
-            <a:r>
-              <a:rPr lang="en-US" dirty="0" smtClean="0"/>
-              <a:t>Mentor / 1-1</a:t>
-            </a:r>
-            <a:br>
-              <a:rPr lang="en-US" dirty="0" smtClean="0"/>
-            </a:br>
-            <a:r>
-              <a:rPr lang="en-US" dirty="0" smtClean="0"/>
-              <a:t>Teaching kit / CC</a:t>
-            </a:r>
-            <a:br>
-              <a:rPr lang="en-US" dirty="0" smtClean="0"/>
-            </a:br>
-            <a:r>
-              <a:rPr lang="en-US" dirty="0" smtClean="0"/>
-              <a:t>Translation / remix / book</a:t>
-            </a:r>
-            <a:br>
-              <a:rPr lang="en-US" dirty="0" smtClean="0"/>
-            </a:br>
-            <a:r>
-              <a:rPr lang="en-US" dirty="0" smtClean="0"/>
-              <a:t>Movement / ecosystem</a:t>
-            </a:r>
-            <a:endParaRPr lang="en-US" dirty="0"/>
-          </a:p>
-        </p:txBody>
-      </p:sp>
-      <p:sp>
-        <p:nvSpPr>
-          <p:cNvPr id="3" name="Subtitle 2"/>
-          <p:cNvSpPr>
-            <a:spLocks noGrp="1"/>
-          </p:cNvSpPr>
-          <p:nvPr>
-            <p:ph type="subTitle" idx="1"/>
-          </p:nvPr>
-        </p:nvSpPr>
-        <p:spPr>
-          <a:xfrm>
-            <a:off x="1524000" y="6291072"/>
-            <a:ext cx="9144000" cy="466344"/>
-          </a:xfrm>
-        </p:spPr>
-        <p:txBody>
-          <a:bodyPr/>
-          <a:lstStyle/>
-          <a:p>
-            <a:r>
-              <a:rPr lang="en-US" dirty="0" smtClean="0"/>
-              <a:t>Intro 1</a:t>
-            </a:r>
-            <a:endParaRPr lang="en-US" dirty="0"/>
           </a:p>
         </p:txBody>
       </p:sp>
@@ -3565,50 +3652,29 @@
           <a:lstStyle/>
           <a:p>
             <a:r>
-              <a:rPr lang="en-US" dirty="0" smtClean="0"/>
-              <a:t>Chapter 2</a:t>
+              <a:rPr lang="en-US" dirty="0"/>
+              <a:t>Install Python?</a:t>
             </a:r>
             <a:br>
-              <a:rPr lang="en-US" dirty="0" smtClean="0"/>
+              <a:rPr lang="en-US" dirty="0"/>
             </a:br>
-            <a:r>
-              <a:rPr lang="en-US" dirty="0" smtClean="0"/>
-              <a:t>Install Python?</a:t>
-            </a:r>
             <a:br>
-              <a:rPr lang="en-US" dirty="0" smtClean="0"/>
+              <a:rPr lang="en-US" dirty="0"/>
             </a:br>
             <a:r>
-              <a:rPr lang="en-US" dirty="0" err="1" smtClean="0"/>
-              <a:t>Ipad</a:t>
-            </a:r>
-            <a:r>
-              <a:rPr lang="en-US" dirty="0" smtClean="0"/>
-              <a:t> / </a:t>
-            </a:r>
-            <a:r>
-              <a:rPr lang="en-US" dirty="0" err="1" smtClean="0"/>
-              <a:t>chromeb</a:t>
-            </a:r>
-            <a:r>
-              <a:rPr lang="en-US" dirty="0" smtClean="0"/>
-              <a:t> / school / library</a:t>
+              <a:rPr lang="en-US" dirty="0"/>
+              <a:t>Visual Code/PyCharm/…</a:t>
             </a:r>
             <a:br>
-              <a:rPr lang="en-US" dirty="0" smtClean="0"/>
+              <a:rPr lang="en-US" dirty="0"/>
             </a:br>
-            <a:r>
-              <a:rPr lang="en-US" dirty="0" smtClean="0"/>
-              <a:t>Teaching Assistants</a:t>
-            </a:r>
             <a:br>
-              <a:rPr lang="en-US" dirty="0" smtClean="0"/>
+              <a:rPr lang="en-US" dirty="0"/>
             </a:br>
             <a:r>
-              <a:rPr lang="en-US" dirty="0" smtClean="0"/>
-              <a:t>Ideal - Install</a:t>
-            </a:r>
-            <a:endParaRPr lang="en-US" dirty="0"/>
+              <a:rPr lang="en-US" dirty="0"/>
+              <a:t>online-python.com</a:t>
+            </a:r>
           </a:p>
         </p:txBody>
       </p:sp>
@@ -3633,10 +3699,9 @@
           <a:lstStyle/>
           <a:p>
             <a:r>
-              <a:rPr lang="en-US" dirty="0" smtClean="0"/>
+              <a:rPr lang="en-US" dirty="0"/>
               <a:t>Playground</a:t>
             </a:r>
-            <a:endParaRPr lang="en-US" dirty="0"/>
           </a:p>
         </p:txBody>
       </p:sp>
@@ -3693,47 +3758,59 @@
           <a:lstStyle/>
           <a:p>
             <a:r>
-              <a:rPr lang="en-US" dirty="0" smtClean="0"/>
-              <a:t>Honor code</a:t>
+              <a:rPr lang="en-US" dirty="0"/>
+              <a:t>Python </a:t>
+            </a:r>
+            <a:r>
+              <a:rPr lang="en-US" b="1" i="0" dirty="0">
+                <a:solidFill>
+                  <a:srgbClr val="5F6368"/>
+                </a:solidFill>
+                <a:effectLst/>
+                <a:latin typeface="arial" panose="020B0604020202020204" pitchFamily="34" charset="0"/>
+              </a:rPr>
+              <a:t>fundamentals</a:t>
             </a:r>
             <a:br>
-              <a:rPr lang="en-US" dirty="0" smtClean="0"/>
+              <a:rPr lang="en-US" b="1" i="0" dirty="0">
+                <a:solidFill>
+                  <a:srgbClr val="5F6368"/>
+                </a:solidFill>
+                <a:effectLst/>
+                <a:latin typeface="arial" panose="020B0604020202020204" pitchFamily="34" charset="0"/>
+              </a:rPr>
             </a:br>
             <a:r>
-              <a:rPr lang="en-US" dirty="0" smtClean="0"/>
-              <a:t>Install / code / paste</a:t>
+              <a:rPr lang="en-US" sz="4800" dirty="0"/>
+              <a:t>Variables, Const, Data types</a:t>
             </a:r>
             <a:br>
-              <a:rPr lang="en-US" dirty="0" smtClean="0"/>
+              <a:rPr lang="en-US" sz="4800" dirty="0"/>
             </a:br>
             <a:r>
-              <a:rPr lang="en-US" dirty="0" smtClean="0"/>
-              <a:t>Three windows</a:t>
+              <a:rPr lang="en-US" sz="4800" dirty="0"/>
+              <a:t>Input/output</a:t>
             </a:r>
             <a:br>
-              <a:rPr lang="en-US" dirty="0" smtClean="0"/>
+              <a:rPr lang="en-US" sz="4800" dirty="0"/>
             </a:br>
             <a:r>
-              <a:rPr lang="en-US" dirty="0" smtClean="0"/>
-              <a:t>Reset</a:t>
+              <a:rPr lang="en-US" sz="4800" dirty="0"/>
+              <a:t>Operator</a:t>
             </a:r>
             <a:br>
-              <a:rPr lang="en-US" dirty="0" smtClean="0"/>
+              <a:rPr lang="en-US" sz="4800" dirty="0"/>
             </a:br>
             <a:r>
-              <a:rPr lang="en-US" dirty="0" smtClean="0"/>
-              <a:t>Teaching assistance</a:t>
-            </a:r>
-            <a:r>
-              <a:rPr lang="en-US" smtClean="0"/>
-              <a:t/>
+              <a:rPr lang="en-US" sz="4800" dirty="0"/>
+              <a:t>Condition</a:t>
             </a:r>
             <a:br>
-              <a:rPr lang="en-US" smtClean="0"/>
+              <a:rPr lang="en-US" sz="4800" dirty="0"/>
             </a:br>
             <a:r>
-              <a:rPr lang="en-US" smtClean="0"/>
-              <a:t>static checks</a:t>
+              <a:rPr lang="en-US" sz="4800" dirty="0"/>
+              <a:t>Loops</a:t>
             </a:r>
             <a:endParaRPr lang="en-US" dirty="0"/>
           </a:p>
@@ -3760,17 +3837,16 @@
           <a:lstStyle/>
           <a:p>
             <a:r>
-              <a:rPr lang="en-US" dirty="0" smtClean="0"/>
-              <a:t>Hello World</a:t>
-            </a:r>
-            <a:endParaRPr lang="en-US" dirty="0"/>
+              <a:rPr lang="en-US" dirty="0"/>
+              <a:t>Intro 1</a:t>
+            </a:r>
           </a:p>
         </p:txBody>
       </p:sp>
     </p:spTree>
     <p:extLst>
       <p:ext uri="{BB962C8B-B14F-4D97-AF65-F5344CB8AC3E}">
-        <p14:creationId xmlns:p14="http://schemas.microsoft.com/office/powerpoint/2010/main" val="1865607777"/>
+        <p14:creationId xmlns:p14="http://schemas.microsoft.com/office/powerpoint/2010/main" val="517759943"/>
       </p:ext>
     </p:extLst>
   </p:cSld>
@@ -3820,54 +3896,36 @@
           <a:lstStyle/>
           <a:p>
             <a:r>
-              <a:rPr lang="en-US" dirty="0" smtClean="0"/>
-              <a:t>Congratulations</a:t>
+              <a:rPr lang="en-US" dirty="0"/>
+              <a:t>"</a:t>
+            </a:r>
+            <a:r>
+              <a:rPr lang="en-US" b="1" dirty="0">
+                <a:solidFill>
+                  <a:srgbClr val="5F6368"/>
+                </a:solidFill>
+                <a:latin typeface="arial" panose="020B0604020202020204" pitchFamily="34" charset="0"/>
+              </a:rPr>
+              <a:t>Data Structures</a:t>
+            </a:r>
+            <a:r>
+              <a:rPr lang="en-US" dirty="0"/>
+              <a:t>"</a:t>
             </a:r>
             <a:br>
-              <a:rPr lang="en-US" dirty="0" smtClean="0"/>
+              <a:rPr lang="en-US" dirty="0"/>
             </a:br>
             <a:r>
-              <a:rPr lang="en-US" dirty="0" smtClean="0"/>
-              <a:t>Take a break but</a:t>
-            </a:r>
-            <a:r>
-              <a:rPr lang="mr-IN" dirty="0" smtClean="0"/>
-              <a:t>…</a:t>
-            </a:r>
-            <a:r>
-              <a:rPr lang="en-US" dirty="0" smtClean="0"/>
-              <a:t/>
+              <a:rPr lang="en-US" dirty="0"/>
+              <a:t>Important for programming</a:t>
             </a:r>
             <a:br>
-              <a:rPr lang="en-US" dirty="0" smtClean="0"/>
+              <a:rPr lang="en-US" dirty="0"/>
             </a:br>
             <a:r>
-              <a:rPr lang="en-US" dirty="0" smtClean="0"/>
-              <a:t>Control flow </a:t>
-            </a:r>
-            <a:r>
-              <a:rPr lang="mr-IN" dirty="0" smtClean="0"/>
-              <a:t>–</a:t>
-            </a:r>
-            <a:r>
-              <a:rPr lang="en-US" dirty="0" smtClean="0"/>
-              <a:t> steps</a:t>
-            </a:r>
-            <a:br>
-              <a:rPr lang="en-US" dirty="0" smtClean="0"/>
-            </a:br>
-            <a:r>
-              <a:rPr lang="en-US" dirty="0" smtClean="0"/>
-              <a:t>Next: Cool variables</a:t>
-            </a:r>
-            <a:br>
-              <a:rPr lang="en-US" dirty="0" smtClean="0"/>
-            </a:br>
-            <a:r>
-              <a:rPr lang="en-US" dirty="0" smtClean="0"/>
-              <a:t>"Data Structures"</a:t>
-            </a:r>
-            <a:endParaRPr lang="en-US" dirty="0"/>
+              <a:rPr lang="en-US" dirty="0"/>
+              <a:t>Strings, Files, Lists, Dictionaries, Tuples</a:t>
+            </a:r>
           </a:p>
         </p:txBody>
       </p:sp>
@@ -3892,17 +3950,16 @@
           <a:lstStyle/>
           <a:p>
             <a:r>
-              <a:rPr lang="en-US" dirty="0" smtClean="0"/>
-              <a:t>Wrap 1</a:t>
-            </a:r>
-            <a:endParaRPr lang="en-US" dirty="0"/>
+              <a:rPr lang="en-US" dirty="0"/>
+              <a:t>Intro 2</a:t>
+            </a:r>
           </a:p>
         </p:txBody>
       </p:sp>
     </p:spTree>
     <p:extLst>
       <p:ext uri="{BB962C8B-B14F-4D97-AF65-F5344CB8AC3E}">
-        <p14:creationId xmlns:p14="http://schemas.microsoft.com/office/powerpoint/2010/main" val="517759943"/>
+        <p14:creationId xmlns:p14="http://schemas.microsoft.com/office/powerpoint/2010/main" val="1322497426"/>
       </p:ext>
     </p:extLst>
   </p:cSld>
@@ -3952,29 +4009,13 @@
           <a:lstStyle/>
           <a:p>
             <a:r>
-              <a:rPr lang="en-US" dirty="0" smtClean="0"/>
-              <a:t>Welcome back.</a:t>
-            </a:r>
-            <a:br>
-              <a:rPr lang="en-US" dirty="0" smtClean="0"/>
-            </a:br>
-            <a:r>
-              <a:rPr lang="en-US" dirty="0" smtClean="0"/>
-              <a:t>"Data Structures"</a:t>
-            </a:r>
-            <a:br>
-              <a:rPr lang="en-US" dirty="0" smtClean="0"/>
-            </a:br>
-            <a:r>
-              <a:rPr lang="en-US" dirty="0" smtClean="0"/>
-              <a:t>Important for programming</a:t>
-            </a:r>
-            <a:br>
-              <a:rPr lang="en-US" dirty="0" smtClean="0"/>
-            </a:br>
-            <a:r>
-              <a:rPr lang="en-US" dirty="0" smtClean="0"/>
-              <a:t>Strings, Files, Lists, Dictionaries, Tuples</a:t>
+              <a:rPr lang="en-US" b="1" dirty="0">
+                <a:solidFill>
+                  <a:srgbClr val="5F6368"/>
+                </a:solidFill>
+                <a:latin typeface="arial" panose="020B0604020202020204" pitchFamily="34" charset="0"/>
+              </a:rPr>
+              <a:t>Function, OOP</a:t>
             </a:r>
             <a:endParaRPr lang="en-US" dirty="0"/>
           </a:p>
@@ -4001,17 +4042,16 @@
           <a:lstStyle/>
           <a:p>
             <a:r>
-              <a:rPr lang="en-US" dirty="0" smtClean="0"/>
-              <a:t>Intro 2</a:t>
-            </a:r>
-            <a:endParaRPr lang="en-US" dirty="0"/>
+              <a:rPr lang="en-US" dirty="0"/>
+              <a:t>Intro 3</a:t>
+            </a:r>
           </a:p>
         </p:txBody>
       </p:sp>
     </p:spTree>
     <p:extLst>
       <p:ext uri="{BB962C8B-B14F-4D97-AF65-F5344CB8AC3E}">
-        <p14:creationId xmlns:p14="http://schemas.microsoft.com/office/powerpoint/2010/main" val="1322497426"/>
+        <p14:creationId xmlns:p14="http://schemas.microsoft.com/office/powerpoint/2010/main" val="1459180701"/>
       </p:ext>
     </p:extLst>
   </p:cSld>
@@ -4055,98 +4095,39 @@
           </a:xfrm>
         </p:spPr>
         <p:txBody>
-          <a:bodyPr>
-            <a:normAutofit fontScale="90000"/>
+          <a:bodyPr anchor="ctr">
+            <a:normAutofit/>
           </a:bodyPr>
           <a:lstStyle/>
           <a:p>
             <a:r>
-              <a:rPr lang="en-US" dirty="0" smtClean="0"/>
-              <a:t>What next?</a:t>
+              <a:rPr lang="en-US" b="1" dirty="0">
+                <a:solidFill>
+                  <a:srgbClr val="5F6368"/>
+                </a:solidFill>
+                <a:latin typeface="arial" panose="020B0604020202020204" pitchFamily="34" charset="0"/>
+              </a:rPr>
+              <a:t>Working with File</a:t>
             </a:r>
             <a:br>
-              <a:rPr lang="en-US" dirty="0" smtClean="0"/>
+              <a:rPr lang="en-US" b="1" dirty="0">
+                <a:solidFill>
+                  <a:srgbClr val="5F6368"/>
+                </a:solidFill>
+                <a:latin typeface="arial" panose="020B0604020202020204" pitchFamily="34" charset="0"/>
+              </a:rPr>
             </a:br>
             <a:r>
-              <a:rPr lang="en-US" smtClean="0"/>
-              <a:t>Learn to Learn</a:t>
+              <a:rPr lang="en-US" dirty="0"/>
+              <a:t>Text, JSON</a:t>
             </a:r>
             <a:br>
-              <a:rPr lang="en-US" smtClean="0"/>
+              <a:rPr lang="en-US" dirty="0"/>
             </a:br>
             <a:r>
-              <a:rPr lang="en-US" dirty="0" smtClean="0"/>
-              <a:t>Take </a:t>
-            </a:r>
-            <a:r>
-              <a:rPr lang="en-US" dirty="0" smtClean="0"/>
-              <a:t>intro classes </a:t>
-            </a:r>
-            <a:r>
-              <a:rPr lang="mr-IN" dirty="0" smtClean="0"/>
-              <a:t>–</a:t>
-            </a:r>
-            <a:r>
-              <a:rPr lang="en-US" dirty="0" smtClean="0"/>
-              <a:t> 1K lines</a:t>
-            </a:r>
-            <a:br>
-              <a:rPr lang="en-US" dirty="0" smtClean="0"/>
-            </a:br>
-            <a:r>
-              <a:rPr lang="en-US" dirty="0" smtClean="0"/>
-              <a:t>Meetups / </a:t>
-            </a:r>
-            <a:r>
-              <a:rPr lang="en-US" dirty="0" err="1" smtClean="0"/>
-              <a:t>FreeCodeCamp</a:t>
-            </a:r>
-            <a:r>
-              <a:rPr lang="en-US" dirty="0" smtClean="0"/>
-              <a:t/>
-            </a:r>
-            <a:br>
-              <a:rPr lang="en-US" dirty="0" smtClean="0"/>
-            </a:br>
-            <a:r>
-              <a:rPr lang="en-US" dirty="0" err="1" smtClean="0"/>
-              <a:t>PyCon</a:t>
-            </a:r>
-            <a:r>
-              <a:rPr lang="en-US" dirty="0" smtClean="0"/>
-              <a:t> / </a:t>
-            </a:r>
-            <a:r>
-              <a:rPr lang="en-US" dirty="0" err="1" smtClean="0"/>
-              <a:t>DjangoGirls</a:t>
-            </a:r>
-            <a:r>
-              <a:rPr lang="en-US" dirty="0" smtClean="0"/>
-              <a:t/>
-            </a:r>
-            <a:br>
-              <a:rPr lang="en-US" dirty="0" smtClean="0"/>
-            </a:br>
-            <a:r>
-              <a:rPr lang="en-US" dirty="0" smtClean="0"/>
-              <a:t>Use at </a:t>
-            </a:r>
-            <a:r>
-              <a:rPr lang="en-US" dirty="0" smtClean="0"/>
-              <a:t>work / Get </a:t>
-            </a:r>
-            <a:r>
-              <a:rPr lang="en-US" dirty="0" smtClean="0"/>
-              <a:t>new job</a:t>
-            </a:r>
-            <a:br>
-              <a:rPr lang="en-US" dirty="0" smtClean="0"/>
-            </a:br>
-            <a:r>
-              <a:rPr lang="en-US" dirty="0" smtClean="0"/>
-              <a:t>Keep Learning</a:t>
-            </a:r>
-            <a:endParaRPr lang="en-US" dirty="0"/>
+              <a:rPr lang="en-US" dirty="0"/>
+              <a:t>CSV, Word, PDF</a:t>
+            </a:r>
           </a:p>
         </p:txBody>
       </p:sp>
@@ -4171,17 +4152,223 @@
           <a:lstStyle/>
           <a:p>
             <a:r>
-              <a:rPr lang="en-US" dirty="0" smtClean="0"/>
-              <a:t>Wrap 2</a:t>
-            </a:r>
-            <a:endParaRPr lang="en-US" dirty="0"/>
+              <a:rPr lang="en-US" dirty="0"/>
+              <a:t>Intro 4</a:t>
+            </a:r>
           </a:p>
         </p:txBody>
       </p:sp>
     </p:spTree>
     <p:extLst>
       <p:ext uri="{BB962C8B-B14F-4D97-AF65-F5344CB8AC3E}">
-        <p14:creationId xmlns:p14="http://schemas.microsoft.com/office/powerpoint/2010/main" val="899924697"/>
+        <p14:creationId xmlns:p14="http://schemas.microsoft.com/office/powerpoint/2010/main" val="4120481268"/>
+      </p:ext>
+    </p:extLst>
+  </p:cSld>
+  <p:clrMapOvr>
+    <a:masterClrMapping/>
+  </p:clrMapOvr>
+</p:sld>
+</file>
+
+<file path=ppt/slides/slide8.xml><?xml version="1.0" encoding="utf-8"?>
+<p:sld xmlns:a="http://schemas.openxmlformats.org/drawingml/2006/main" xmlns:r="http://schemas.openxmlformats.org/officeDocument/2006/relationships" xmlns:p="http://schemas.openxmlformats.org/presentationml/2006/main">
+  <p:cSld>
+    <p:spTree>
+      <p:nvGrpSpPr>
+        <p:cNvPr id="1" name=""/>
+        <p:cNvGrpSpPr/>
+        <p:nvPr/>
+      </p:nvGrpSpPr>
+      <p:grpSpPr>
+        <a:xfrm>
+          <a:off x="0" y="0"/>
+          <a:ext cx="0" cy="0"/>
+          <a:chOff x="0" y="0"/>
+          <a:chExt cx="0" cy="0"/>
+        </a:xfrm>
+      </p:grpSpPr>
+      <p:sp>
+        <p:nvSpPr>
+          <p:cNvPr id="2" name="Title 1"/>
+          <p:cNvSpPr>
+            <a:spLocks noGrp="1"/>
+          </p:cNvSpPr>
+          <p:nvPr>
+            <p:ph type="ctrTitle"/>
+          </p:nvPr>
+        </p:nvSpPr>
+        <p:spPr>
+          <a:xfrm>
+            <a:off x="1524000" y="597408"/>
+            <a:ext cx="9144000" cy="5535167"/>
+          </a:xfrm>
+        </p:spPr>
+        <p:txBody>
+          <a:bodyPr anchor="ctr">
+            <a:normAutofit/>
+          </a:bodyPr>
+          <a:lstStyle/>
+          <a:p>
+            <a:r>
+              <a:rPr lang="en-US" b="1" dirty="0">
+                <a:solidFill>
+                  <a:srgbClr val="5F6368"/>
+                </a:solidFill>
+                <a:latin typeface="arial" panose="020B0604020202020204" pitchFamily="34" charset="0"/>
+              </a:rPr>
+              <a:t>GUI</a:t>
+            </a:r>
+            <a:br>
+              <a:rPr lang="en-US" b="1" dirty="0">
+                <a:solidFill>
+                  <a:srgbClr val="5F6368"/>
+                </a:solidFill>
+                <a:latin typeface="arial" panose="020B0604020202020204" pitchFamily="34" charset="0"/>
+              </a:rPr>
+            </a:br>
+            <a:r>
+              <a:rPr lang="en-US" dirty="0" err="1"/>
+              <a:t>Tkinter</a:t>
+            </a:r>
+            <a:endParaRPr lang="en-US" dirty="0"/>
+          </a:p>
+        </p:txBody>
+      </p:sp>
+      <p:sp>
+        <p:nvSpPr>
+          <p:cNvPr id="3" name="Subtitle 2"/>
+          <p:cNvSpPr>
+            <a:spLocks noGrp="1"/>
+          </p:cNvSpPr>
+          <p:nvPr>
+            <p:ph type="subTitle" idx="1"/>
+          </p:nvPr>
+        </p:nvSpPr>
+        <p:spPr>
+          <a:xfrm>
+            <a:off x="1524000" y="6291072"/>
+            <a:ext cx="9144000" cy="466344"/>
+          </a:xfrm>
+        </p:spPr>
+        <p:txBody>
+          <a:bodyPr/>
+          <a:lstStyle/>
+          <a:p>
+            <a:r>
+              <a:rPr lang="en-US" dirty="0"/>
+              <a:t>Intro 5</a:t>
+            </a:r>
+          </a:p>
+        </p:txBody>
+      </p:sp>
+    </p:spTree>
+    <p:extLst>
+      <p:ext uri="{BB962C8B-B14F-4D97-AF65-F5344CB8AC3E}">
+        <p14:creationId xmlns:p14="http://schemas.microsoft.com/office/powerpoint/2010/main" val="3040096570"/>
+      </p:ext>
+    </p:extLst>
+  </p:cSld>
+  <p:clrMapOvr>
+    <a:masterClrMapping/>
+  </p:clrMapOvr>
+</p:sld>
+</file>
+
+<file path=ppt/slides/slide9.xml><?xml version="1.0" encoding="utf-8"?>
+<p:sld xmlns:a="http://schemas.openxmlformats.org/drawingml/2006/main" xmlns:r="http://schemas.openxmlformats.org/officeDocument/2006/relationships" xmlns:p="http://schemas.openxmlformats.org/presentationml/2006/main">
+  <p:cSld>
+    <p:spTree>
+      <p:nvGrpSpPr>
+        <p:cNvPr id="1" name=""/>
+        <p:cNvGrpSpPr/>
+        <p:nvPr/>
+      </p:nvGrpSpPr>
+      <p:grpSpPr>
+        <a:xfrm>
+          <a:off x="0" y="0"/>
+          <a:ext cx="0" cy="0"/>
+          <a:chOff x="0" y="0"/>
+          <a:chExt cx="0" cy="0"/>
+        </a:xfrm>
+      </p:grpSpPr>
+      <p:sp>
+        <p:nvSpPr>
+          <p:cNvPr id="2" name="Title 1"/>
+          <p:cNvSpPr>
+            <a:spLocks noGrp="1"/>
+          </p:cNvSpPr>
+          <p:nvPr>
+            <p:ph type="ctrTitle"/>
+          </p:nvPr>
+        </p:nvSpPr>
+        <p:spPr>
+          <a:xfrm>
+            <a:off x="1524000" y="597408"/>
+            <a:ext cx="9144000" cy="5535167"/>
+          </a:xfrm>
+        </p:spPr>
+        <p:txBody>
+          <a:bodyPr anchor="ctr">
+            <a:normAutofit/>
+          </a:bodyPr>
+          <a:lstStyle/>
+          <a:p>
+            <a:r>
+              <a:rPr lang="en-US" b="1" dirty="0">
+                <a:solidFill>
+                  <a:srgbClr val="5F6368"/>
+                </a:solidFill>
+                <a:latin typeface="arial" panose="020B0604020202020204" pitchFamily="34" charset="0"/>
+              </a:rPr>
+              <a:t>Visualization</a:t>
+            </a:r>
+            <a:br>
+              <a:rPr lang="en-US" b="1" dirty="0">
+                <a:solidFill>
+                  <a:srgbClr val="5F6368"/>
+                </a:solidFill>
+                <a:latin typeface="arial" panose="020B0604020202020204" pitchFamily="34" charset="0"/>
+              </a:rPr>
+            </a:br>
+            <a:r>
+              <a:rPr lang="en-US" dirty="0"/>
+              <a:t>Pandas, Matplotlib</a:t>
+            </a:r>
+          </a:p>
+        </p:txBody>
+      </p:sp>
+      <p:sp>
+        <p:nvSpPr>
+          <p:cNvPr id="3" name="Subtitle 2"/>
+          <p:cNvSpPr>
+            <a:spLocks noGrp="1"/>
+          </p:cNvSpPr>
+          <p:nvPr>
+            <p:ph type="subTitle" idx="1"/>
+          </p:nvPr>
+        </p:nvSpPr>
+        <p:spPr>
+          <a:xfrm>
+            <a:off x="1524000" y="6291072"/>
+            <a:ext cx="9144000" cy="466344"/>
+          </a:xfrm>
+        </p:spPr>
+        <p:txBody>
+          <a:bodyPr/>
+          <a:lstStyle/>
+          <a:p>
+            <a:r>
+              <a:rPr lang="en-US" dirty="0"/>
+              <a:t>Intro 6</a:t>
+            </a:r>
+          </a:p>
+        </p:txBody>
+      </p:sp>
+    </p:spTree>
+    <p:extLst>
+      <p:ext uri="{BB962C8B-B14F-4D97-AF65-F5344CB8AC3E}">
+        <p14:creationId xmlns:p14="http://schemas.microsoft.com/office/powerpoint/2010/main" val="239408726"/>
       </p:ext>
     </p:extLst>
   </p:cSld>
